--- a/开题答辩PPT.pptx
+++ b/开题答辩PPT.pptx
@@ -110,6 +110,11 @@
       </a:defRPr>
     </a:lvl9pPr>
   </p:defaultTextStyle>
+  <p:extLst>
+    <p:ext uri="{EFAFB233-063F-42B5-8137-9DF3F51BA10A}">
+      <p15:sldGuideLst xmlns:p15="http://schemas.microsoft.com/office/powerpoint/2012/main"/>
+    </p:ext>
+  </p:extLst>
 </p:presentation>
 </file>
 
@@ -339,7 +344,7 @@
           <a:p>
             <a:fld id="{3868025B-0D37-4976-A8AA-B1AE8CDAA101}" type="datetimeFigureOut">
               <a:rPr lang="zh-CN" altLang="en-US" smtClean="0"/>
-              <a:t>2019/3/5</a:t>
+              <a:t>2019/3/6</a:t>
             </a:fld>
             <a:endParaRPr lang="zh-CN" altLang="en-US"/>
           </a:p>
@@ -547,7 +552,7 @@
           <a:p>
             <a:fld id="{3868025B-0D37-4976-A8AA-B1AE8CDAA101}" type="datetimeFigureOut">
               <a:rPr lang="zh-CN" altLang="en-US" smtClean="0"/>
-              <a:t>2019/3/5</a:t>
+              <a:t>2019/3/6</a:t>
             </a:fld>
             <a:endParaRPr lang="zh-CN" altLang="en-US"/>
           </a:p>
@@ -803,7 +808,7 @@
           <a:p>
             <a:fld id="{3868025B-0D37-4976-A8AA-B1AE8CDAA101}" type="datetimeFigureOut">
               <a:rPr lang="zh-CN" altLang="en-US" smtClean="0"/>
-              <a:t>2019/3/5</a:t>
+              <a:t>2019/3/6</a:t>
             </a:fld>
             <a:endParaRPr lang="zh-CN" altLang="en-US"/>
           </a:p>
@@ -977,7 +982,7 @@
           <a:p>
             <a:fld id="{3868025B-0D37-4976-A8AA-B1AE8CDAA101}" type="datetimeFigureOut">
               <a:rPr lang="zh-CN" altLang="en-US" smtClean="0"/>
-              <a:t>2019/3/5</a:t>
+              <a:t>2019/3/6</a:t>
             </a:fld>
             <a:endParaRPr lang="zh-CN" altLang="en-US"/>
           </a:p>
@@ -1320,7 +1325,7 @@
           <a:p>
             <a:fld id="{3868025B-0D37-4976-A8AA-B1AE8CDAA101}" type="datetimeFigureOut">
               <a:rPr lang="zh-CN" altLang="en-US" smtClean="0"/>
-              <a:t>2019/3/5</a:t>
+              <a:t>2019/3/6</a:t>
             </a:fld>
             <a:endParaRPr lang="zh-CN" altLang="en-US"/>
           </a:p>
@@ -1595,7 +1600,7 @@
           <a:p>
             <a:fld id="{3868025B-0D37-4976-A8AA-B1AE8CDAA101}" type="datetimeFigureOut">
               <a:rPr lang="zh-CN" altLang="en-US" smtClean="0"/>
-              <a:t>2019/3/5</a:t>
+              <a:t>2019/3/6</a:t>
             </a:fld>
             <a:endParaRPr lang="zh-CN" altLang="en-US"/>
           </a:p>
@@ -1974,7 +1979,7 @@
           <a:p>
             <a:fld id="{3868025B-0D37-4976-A8AA-B1AE8CDAA101}" type="datetimeFigureOut">
               <a:rPr lang="zh-CN" altLang="en-US" smtClean="0"/>
-              <a:t>2019/3/5</a:t>
+              <a:t>2019/3/6</a:t>
             </a:fld>
             <a:endParaRPr lang="zh-CN" altLang="en-US"/>
           </a:p>
@@ -2092,7 +2097,7 @@
           <a:p>
             <a:fld id="{3868025B-0D37-4976-A8AA-B1AE8CDAA101}" type="datetimeFigureOut">
               <a:rPr lang="zh-CN" altLang="en-US" smtClean="0"/>
-              <a:t>2019/3/5</a:t>
+              <a:t>2019/3/6</a:t>
             </a:fld>
             <a:endParaRPr lang="zh-CN" altLang="en-US"/>
           </a:p>
@@ -2263,7 +2268,7 @@
           <a:p>
             <a:fld id="{3868025B-0D37-4976-A8AA-B1AE8CDAA101}" type="datetimeFigureOut">
               <a:rPr lang="zh-CN" altLang="en-US" smtClean="0"/>
-              <a:t>2019/3/5</a:t>
+              <a:t>2019/3/6</a:t>
             </a:fld>
             <a:endParaRPr lang="zh-CN" altLang="en-US"/>
           </a:p>
@@ -2617,7 +2622,7 @@
           <a:p>
             <a:fld id="{3868025B-0D37-4976-A8AA-B1AE8CDAA101}" type="datetimeFigureOut">
               <a:rPr lang="zh-CN" altLang="en-US" smtClean="0"/>
-              <a:t>2019/3/5</a:t>
+              <a:t>2019/3/6</a:t>
             </a:fld>
             <a:endParaRPr lang="zh-CN" altLang="en-US"/>
           </a:p>
@@ -2999,7 +3004,7 @@
           <a:p>
             <a:fld id="{3868025B-0D37-4976-A8AA-B1AE8CDAA101}" type="datetimeFigureOut">
               <a:rPr lang="zh-CN" altLang="en-US" smtClean="0"/>
-              <a:t>2019/3/5</a:t>
+              <a:t>2019/3/6</a:t>
             </a:fld>
             <a:endParaRPr lang="zh-CN" altLang="en-US"/>
           </a:p>
@@ -3286,7 +3291,7 @@
           <a:p>
             <a:fld id="{3868025B-0D37-4976-A8AA-B1AE8CDAA101}" type="datetimeFigureOut">
               <a:rPr lang="zh-CN" altLang="en-US" smtClean="0"/>
-              <a:t>2019/3/5</a:t>
+              <a:t>2019/3/6</a:t>
             </a:fld>
             <a:endParaRPr lang="zh-CN" altLang="en-US"/>
           </a:p>
@@ -4655,17 +4660,7 @@
                 <a:latin typeface="微软雅黑" panose="020B0503020204020204" pitchFamily="34" charset="-122"/>
                 <a:ea typeface="微软雅黑" panose="020B0503020204020204" pitchFamily="34" charset="-122"/>
               </a:rPr>
-              <a:t>图构</a:t>
-            </a:r>
-            <a:r>
-              <a:rPr lang="zh-CN" altLang="en-US" sz="1800" dirty="0">
-                <a:solidFill>
-                  <a:schemeClr val="tx1"/>
-                </a:solidFill>
-                <a:latin typeface="微软雅黑" panose="020B0503020204020204" pitchFamily="34" charset="-122"/>
-                <a:ea typeface="微软雅黑" panose="020B0503020204020204" pitchFamily="34" charset="-122"/>
-              </a:rPr>
-              <a:t>建。</a:t>
+              <a:t>图构建。</a:t>
             </a:r>
             <a:endParaRPr lang="en-US" altLang="zh-CN" sz="1800" dirty="0">
               <a:solidFill>
@@ -6318,25 +6313,8 @@
                 <a:latin typeface="微软雅黑" panose="020B0503020204020204" pitchFamily="34" charset="-122"/>
                 <a:ea typeface="微软雅黑" panose="020B0503020204020204" pitchFamily="34" charset="-122"/>
               </a:rPr>
-              <a:t>画直线</a:t>
-            </a:r>
-            <a:r>
-              <a:rPr lang="zh-CN" altLang="en-US" dirty="0">
-                <a:solidFill>
-                  <a:schemeClr val="tx1"/>
-                </a:solidFill>
-                <a:latin typeface="微软雅黑" panose="020B0503020204020204" pitchFamily="34" charset="-122"/>
-                <a:ea typeface="微软雅黑" panose="020B0503020204020204" pitchFamily="34" charset="-122"/>
-              </a:rPr>
-              <a:t>算法</a:t>
-            </a:r>
-            <a:endParaRPr lang="zh-CN" altLang="en-US" dirty="0">
-              <a:solidFill>
-                <a:schemeClr val="tx1"/>
-              </a:solidFill>
-              <a:latin typeface="微软雅黑" panose="020B0503020204020204" pitchFamily="34" charset="-122"/>
-              <a:ea typeface="微软雅黑" panose="020B0503020204020204" pitchFamily="34" charset="-122"/>
-            </a:endParaRPr>
+              <a:t>画直线算法</a:t>
+            </a:r>
           </a:p>
           <a:p>
             <a:pPr marL="201168" lvl="1" indent="360000">
@@ -6359,17 +6337,7 @@
                 <a:latin typeface="微软雅黑" panose="020B0503020204020204" pitchFamily="34" charset="-122"/>
                 <a:ea typeface="微软雅黑" panose="020B0503020204020204" pitchFamily="34" charset="-122"/>
               </a:rPr>
-              <a:t>里</a:t>
-            </a:r>
-            <a:r>
-              <a:rPr lang="zh-CN" altLang="en-US" dirty="0">
-                <a:solidFill>
-                  <a:schemeClr val="tx1"/>
-                </a:solidFill>
-                <a:latin typeface="微软雅黑" panose="020B0503020204020204" pitchFamily="34" charset="-122"/>
-                <a:ea typeface="微软雅黑" panose="020B0503020204020204" pitchFamily="34" charset="-122"/>
-              </a:rPr>
-              <a:t>程计推算机器人定位算法</a:t>
+              <a:t>里程计推算机器人定位算法</a:t>
             </a:r>
             <a:r>
               <a:rPr lang="zh-CN" altLang="en-US" dirty="0" smtClean="0">
@@ -6468,6 +6436,9 @@
             <a:avLst/>
           </a:prstGeom>
           <a:ln w="38100"/>
+          <a:effectLst>
+            <a:softEdge rad="12700"/>
+          </a:effectLst>
         </p:spPr>
         <p:style>
           <a:lnRef idx="1">
